--- a/day1/3-slides.pptx
+++ b/day1/3-slides.pptx
@@ -197,7 +197,7 @@
           <a:p>
             <a:fld id="{3B5A9673-BDC5-6E48-8761-715CF29E2BC3}" type="datetimeFigureOut">
               <a:rPr lang="pl-PL" smtClean="0"/>
-              <a:t>11.04.2019</a:t>
+              <a:t>21.04.2019</a:t>
             </a:fld>
             <a:endParaRPr lang="pl-PL"/>
           </a:p>
@@ -4762,7 +4762,7 @@
           <a:p>
             <a:fld id="{0D858497-DA68-8E4C-8E11-4FA0D2221E58}" type="datetimeFigureOut">
               <a:rPr lang="pl-PL" smtClean="0"/>
-              <a:t>11.04.2019</a:t>
+              <a:t>21.04.2019</a:t>
             </a:fld>
             <a:endParaRPr lang="pl-PL"/>
           </a:p>
@@ -4932,7 +4932,7 @@
           <a:p>
             <a:fld id="{0D858497-DA68-8E4C-8E11-4FA0D2221E58}" type="datetimeFigureOut">
               <a:rPr lang="pl-PL" smtClean="0"/>
-              <a:t>11.04.2019</a:t>
+              <a:t>21.04.2019</a:t>
             </a:fld>
             <a:endParaRPr lang="pl-PL"/>
           </a:p>
@@ -5112,7 +5112,7 @@
           <a:p>
             <a:fld id="{0D858497-DA68-8E4C-8E11-4FA0D2221E58}" type="datetimeFigureOut">
               <a:rPr lang="pl-PL" smtClean="0"/>
-              <a:t>11.04.2019</a:t>
+              <a:t>21.04.2019</a:t>
             </a:fld>
             <a:endParaRPr lang="pl-PL"/>
           </a:p>
@@ -5282,7 +5282,7 @@
           <a:p>
             <a:fld id="{0D858497-DA68-8E4C-8E11-4FA0D2221E58}" type="datetimeFigureOut">
               <a:rPr lang="pl-PL" smtClean="0"/>
-              <a:t>11.04.2019</a:t>
+              <a:t>21.04.2019</a:t>
             </a:fld>
             <a:endParaRPr lang="pl-PL"/>
           </a:p>
@@ -5526,7 +5526,7 @@
           <a:p>
             <a:fld id="{0D858497-DA68-8E4C-8E11-4FA0D2221E58}" type="datetimeFigureOut">
               <a:rPr lang="pl-PL" smtClean="0"/>
-              <a:t>11.04.2019</a:t>
+              <a:t>21.04.2019</a:t>
             </a:fld>
             <a:endParaRPr lang="pl-PL"/>
           </a:p>
@@ -5758,7 +5758,7 @@
           <a:p>
             <a:fld id="{0D858497-DA68-8E4C-8E11-4FA0D2221E58}" type="datetimeFigureOut">
               <a:rPr lang="pl-PL" smtClean="0"/>
-              <a:t>11.04.2019</a:t>
+              <a:t>21.04.2019</a:t>
             </a:fld>
             <a:endParaRPr lang="pl-PL"/>
           </a:p>
@@ -6125,7 +6125,7 @@
           <a:p>
             <a:fld id="{0D858497-DA68-8E4C-8E11-4FA0D2221E58}" type="datetimeFigureOut">
               <a:rPr lang="pl-PL" smtClean="0"/>
-              <a:t>11.04.2019</a:t>
+              <a:t>21.04.2019</a:t>
             </a:fld>
             <a:endParaRPr lang="pl-PL"/>
           </a:p>
@@ -6243,7 +6243,7 @@
           <a:p>
             <a:fld id="{0D858497-DA68-8E4C-8E11-4FA0D2221E58}" type="datetimeFigureOut">
               <a:rPr lang="pl-PL" smtClean="0"/>
-              <a:t>11.04.2019</a:t>
+              <a:t>21.04.2019</a:t>
             </a:fld>
             <a:endParaRPr lang="pl-PL"/>
           </a:p>
@@ -6338,7 +6338,7 @@
           <a:p>
             <a:fld id="{0D858497-DA68-8E4C-8E11-4FA0D2221E58}" type="datetimeFigureOut">
               <a:rPr lang="pl-PL" smtClean="0"/>
-              <a:t>11.04.2019</a:t>
+              <a:t>21.04.2019</a:t>
             </a:fld>
             <a:endParaRPr lang="pl-PL"/>
           </a:p>
@@ -6615,7 +6615,7 @@
           <a:p>
             <a:fld id="{0D858497-DA68-8E4C-8E11-4FA0D2221E58}" type="datetimeFigureOut">
               <a:rPr lang="pl-PL" smtClean="0"/>
-              <a:t>11.04.2019</a:t>
+              <a:t>21.04.2019</a:t>
             </a:fld>
             <a:endParaRPr lang="pl-PL"/>
           </a:p>
@@ -6872,7 +6872,7 @@
           <a:p>
             <a:fld id="{0D858497-DA68-8E4C-8E11-4FA0D2221E58}" type="datetimeFigureOut">
               <a:rPr lang="pl-PL" smtClean="0"/>
-              <a:t>11.04.2019</a:t>
+              <a:t>21.04.2019</a:t>
             </a:fld>
             <a:endParaRPr lang="pl-PL"/>
           </a:p>
@@ -7085,7 +7085,7 @@
           <a:p>
             <a:fld id="{0D858497-DA68-8E4C-8E11-4FA0D2221E58}" type="datetimeFigureOut">
               <a:rPr lang="pl-PL" smtClean="0"/>
-              <a:t>11.04.2019</a:t>
+              <a:t>21.04.2019</a:t>
             </a:fld>
             <a:endParaRPr lang="pl-PL"/>
           </a:p>
@@ -7614,7 +7614,21 @@
                 <a:latin typeface="Source Sans Pro" panose="020B0503030403020204" pitchFamily="34" charset="0"/>
                 <a:ea typeface="Source Sans Pro" panose="020B0503030403020204" pitchFamily="34" charset="0"/>
               </a:rPr>
-              <a:t>Niewiarygodne dla dalekich homologów (&lt;35% identyczności </a:t>
+              <a:t>Mało wiarygodne dla dalekich homologów (&lt;35% </a:t>
+            </a:r>
+            <a:r>
+              <a:rPr lang="pl-PL" sz="2000" dirty="0" err="1">
+                <a:latin typeface="Source Sans Pro" panose="020B0503030403020204" pitchFamily="34" charset="0"/>
+                <a:ea typeface="Source Sans Pro" panose="020B0503030403020204" pitchFamily="34" charset="0"/>
+              </a:rPr>
+              <a:t>ident</a:t>
+            </a:r>
+            <a:r>
+              <a:rPr lang="pl-PL" sz="2000" dirty="0">
+                <a:latin typeface="Source Sans Pro" panose="020B0503030403020204" pitchFamily="34" charset="0"/>
+                <a:ea typeface="Source Sans Pro" panose="020B0503030403020204" pitchFamily="34" charset="0"/>
+              </a:rPr>
+              <a:t>. </a:t>
             </a:r>
             <a:r>
               <a:rPr lang="pl-PL" sz="2000" dirty="0" err="1">
